--- a/AutoDriving/Doc/System Diagram.pptx
+++ b/AutoDriving/Doc/System Diagram.pptx
@@ -104,6 +104,11 @@
       </a:defRPr>
     </a:lvl9pPr>
   </p:defaultTextStyle>
+  <p:extLst>
+    <p:ext uri="{EFAFB233-063F-42B5-8137-9DF3F51BA10A}">
+      <p15:sldGuideLst xmlns:p15="http://schemas.microsoft.com/office/powerpoint/2012/main"/>
+    </p:ext>
+  </p:extLst>
 </p:presentation>
 </file>
 
@@ -254,7 +259,7 @@
           <a:p>
             <a:fld id="{BD8B3CE1-FBED-420E-B415-70F650A80DFF}" type="datetimeFigureOut">
               <a:rPr lang="ko-KR" altLang="en-US" smtClean="0"/>
-              <a:t>2020-08-28</a:t>
+              <a:t>2020-08-30</a:t>
             </a:fld>
             <a:endParaRPr lang="ko-KR" altLang="en-US"/>
           </a:p>
@@ -452,7 +457,7 @@
           <a:p>
             <a:fld id="{BD8B3CE1-FBED-420E-B415-70F650A80DFF}" type="datetimeFigureOut">
               <a:rPr lang="ko-KR" altLang="en-US" smtClean="0"/>
-              <a:t>2020-08-28</a:t>
+              <a:t>2020-08-30</a:t>
             </a:fld>
             <a:endParaRPr lang="ko-KR" altLang="en-US"/>
           </a:p>
@@ -660,7 +665,7 @@
           <a:p>
             <a:fld id="{BD8B3CE1-FBED-420E-B415-70F650A80DFF}" type="datetimeFigureOut">
               <a:rPr lang="ko-KR" altLang="en-US" smtClean="0"/>
-              <a:t>2020-08-28</a:t>
+              <a:t>2020-08-30</a:t>
             </a:fld>
             <a:endParaRPr lang="ko-KR" altLang="en-US"/>
           </a:p>
@@ -858,7 +863,7 @@
           <a:p>
             <a:fld id="{BD8B3CE1-FBED-420E-B415-70F650A80DFF}" type="datetimeFigureOut">
               <a:rPr lang="ko-KR" altLang="en-US" smtClean="0"/>
-              <a:t>2020-08-28</a:t>
+              <a:t>2020-08-30</a:t>
             </a:fld>
             <a:endParaRPr lang="ko-KR" altLang="en-US"/>
           </a:p>
@@ -1133,7 +1138,7 @@
           <a:p>
             <a:fld id="{BD8B3CE1-FBED-420E-B415-70F650A80DFF}" type="datetimeFigureOut">
               <a:rPr lang="ko-KR" altLang="en-US" smtClean="0"/>
-              <a:t>2020-08-28</a:t>
+              <a:t>2020-08-30</a:t>
             </a:fld>
             <a:endParaRPr lang="ko-KR" altLang="en-US"/>
           </a:p>
@@ -1398,7 +1403,7 @@
           <a:p>
             <a:fld id="{BD8B3CE1-FBED-420E-B415-70F650A80DFF}" type="datetimeFigureOut">
               <a:rPr lang="ko-KR" altLang="en-US" smtClean="0"/>
-              <a:t>2020-08-28</a:t>
+              <a:t>2020-08-30</a:t>
             </a:fld>
             <a:endParaRPr lang="ko-KR" altLang="en-US"/>
           </a:p>
@@ -1810,7 +1815,7 @@
           <a:p>
             <a:fld id="{BD8B3CE1-FBED-420E-B415-70F650A80DFF}" type="datetimeFigureOut">
               <a:rPr lang="ko-KR" altLang="en-US" smtClean="0"/>
-              <a:t>2020-08-28</a:t>
+              <a:t>2020-08-30</a:t>
             </a:fld>
             <a:endParaRPr lang="ko-KR" altLang="en-US"/>
           </a:p>
@@ -1951,7 +1956,7 @@
           <a:p>
             <a:fld id="{BD8B3CE1-FBED-420E-B415-70F650A80DFF}" type="datetimeFigureOut">
               <a:rPr lang="ko-KR" altLang="en-US" smtClean="0"/>
-              <a:t>2020-08-28</a:t>
+              <a:t>2020-08-30</a:t>
             </a:fld>
             <a:endParaRPr lang="ko-KR" altLang="en-US"/>
           </a:p>
@@ -2064,7 +2069,7 @@
           <a:p>
             <a:fld id="{BD8B3CE1-FBED-420E-B415-70F650A80DFF}" type="datetimeFigureOut">
               <a:rPr lang="ko-KR" altLang="en-US" smtClean="0"/>
-              <a:t>2020-08-28</a:t>
+              <a:t>2020-08-30</a:t>
             </a:fld>
             <a:endParaRPr lang="ko-KR" altLang="en-US"/>
           </a:p>
@@ -2375,7 +2380,7 @@
           <a:p>
             <a:fld id="{BD8B3CE1-FBED-420E-B415-70F650A80DFF}" type="datetimeFigureOut">
               <a:rPr lang="ko-KR" altLang="en-US" smtClean="0"/>
-              <a:t>2020-08-28</a:t>
+              <a:t>2020-08-30</a:t>
             </a:fld>
             <a:endParaRPr lang="ko-KR" altLang="en-US"/>
           </a:p>
@@ -2663,7 +2668,7 @@
           <a:p>
             <a:fld id="{BD8B3CE1-FBED-420E-B415-70F650A80DFF}" type="datetimeFigureOut">
               <a:rPr lang="ko-KR" altLang="en-US" smtClean="0"/>
-              <a:t>2020-08-28</a:t>
+              <a:t>2020-08-30</a:t>
             </a:fld>
             <a:endParaRPr lang="ko-KR" altLang="en-US"/>
           </a:p>
@@ -2904,7 +2909,7 @@
           <a:p>
             <a:fld id="{BD8B3CE1-FBED-420E-B415-70F650A80DFF}" type="datetimeFigureOut">
               <a:rPr lang="ko-KR" altLang="en-US" smtClean="0"/>
-              <a:t>2020-08-28</a:t>
+              <a:t>2020-08-30</a:t>
             </a:fld>
             <a:endParaRPr lang="ko-KR" altLang="en-US"/>
           </a:p>
@@ -3321,6 +3326,210 @@
           <a:chExt cx="0" cy="0"/>
         </a:xfrm>
       </p:grpSpPr>
+      <p:sp>
+        <p:nvSpPr>
+          <p:cNvPr id="69" name="직사각형 68">
+            <a:extLst>
+              <a:ext uri="{FF2B5EF4-FFF2-40B4-BE49-F238E27FC236}">
+                <a16:creationId xmlns:a16="http://schemas.microsoft.com/office/drawing/2014/main" id="{375D5EE4-9E91-4864-9F93-00BC60AB28BD}"/>
+              </a:ext>
+            </a:extLst>
+          </p:cNvPr>
+          <p:cNvSpPr/>
+          <p:nvPr/>
+        </p:nvSpPr>
+        <p:spPr>
+          <a:xfrm>
+            <a:off x="90535" y="1627395"/>
+            <a:ext cx="6932341" cy="3178375"/>
+          </a:xfrm>
+          <a:prstGeom prst="rect">
+            <a:avLst/>
+          </a:prstGeom>
+          <a:solidFill>
+            <a:schemeClr val="accent2">
+              <a:lumMod val="75000"/>
+              <a:alpha val="15000"/>
+            </a:schemeClr>
+          </a:solidFill>
+          <a:ln>
+            <a:noFill/>
+          </a:ln>
+        </p:spPr>
+        <p:style>
+          <a:lnRef idx="2">
+            <a:schemeClr val="accent1">
+              <a:shade val="50000"/>
+            </a:schemeClr>
+          </a:lnRef>
+          <a:fillRef idx="1">
+            <a:schemeClr val="accent1"/>
+          </a:fillRef>
+          <a:effectRef idx="0">
+            <a:schemeClr val="accent1"/>
+          </a:effectRef>
+          <a:fontRef idx="minor">
+            <a:schemeClr val="lt1"/>
+          </a:fontRef>
+        </p:style>
+        <p:txBody>
+          <a:bodyPr rtlCol="0" anchor="t"/>
+          <a:lstStyle/>
+          <a:p>
+            <a:r>
+              <a:rPr lang="en-US" altLang="ko-KR" b="1" dirty="0">
+                <a:solidFill>
+                  <a:sysClr val="windowText" lastClr="000000"/>
+                </a:solidFill>
+              </a:rPr>
+              <a:t>7.2 V</a:t>
+            </a:r>
+            <a:r>
+              <a:rPr lang="ko-KR" altLang="en-US" b="1" dirty="0">
+                <a:solidFill>
+                  <a:sysClr val="windowText" lastClr="000000"/>
+                </a:solidFill>
+              </a:rPr>
+              <a:t> </a:t>
+            </a:r>
+            <a:r>
+              <a:rPr lang="en-US" altLang="ko-KR" b="1" dirty="0">
+                <a:solidFill>
+                  <a:sysClr val="windowText" lastClr="000000"/>
+                </a:solidFill>
+              </a:rPr>
+              <a:t>System</a:t>
+            </a:r>
+            <a:endParaRPr lang="ko-KR" altLang="en-US" b="1" dirty="0">
+              <a:solidFill>
+                <a:sysClr val="windowText" lastClr="000000"/>
+              </a:solidFill>
+            </a:endParaRPr>
+          </a:p>
+        </p:txBody>
+      </p:sp>
+      <p:sp>
+        <p:nvSpPr>
+          <p:cNvPr id="91" name="직사각형 90">
+            <a:extLst>
+              <a:ext uri="{FF2B5EF4-FFF2-40B4-BE49-F238E27FC236}">
+                <a16:creationId xmlns:a16="http://schemas.microsoft.com/office/drawing/2014/main" id="{52F6A16F-1A03-4368-891B-B4363BD7ED5E}"/>
+              </a:ext>
+            </a:extLst>
+          </p:cNvPr>
+          <p:cNvSpPr/>
+          <p:nvPr/>
+        </p:nvSpPr>
+        <p:spPr>
+          <a:xfrm>
+            <a:off x="90534" y="4805365"/>
+            <a:ext cx="10892829" cy="1412704"/>
+          </a:xfrm>
+          <a:prstGeom prst="rect">
+            <a:avLst/>
+          </a:prstGeom>
+          <a:solidFill>
+            <a:schemeClr val="accent1">
+              <a:lumMod val="75000"/>
+              <a:alpha val="15000"/>
+            </a:schemeClr>
+          </a:solidFill>
+          <a:ln>
+            <a:noFill/>
+          </a:ln>
+        </p:spPr>
+        <p:style>
+          <a:lnRef idx="2">
+            <a:schemeClr val="accent1">
+              <a:shade val="50000"/>
+            </a:schemeClr>
+          </a:lnRef>
+          <a:fillRef idx="1">
+            <a:schemeClr val="accent1"/>
+          </a:fillRef>
+          <a:effectRef idx="0">
+            <a:schemeClr val="accent1"/>
+          </a:effectRef>
+          <a:fontRef idx="minor">
+            <a:schemeClr val="lt1"/>
+          </a:fontRef>
+        </p:style>
+        <p:txBody>
+          <a:bodyPr rtlCol="0" anchor="b"/>
+          <a:lstStyle/>
+          <a:p>
+            <a:pPr algn="r"/>
+            <a:r>
+              <a:rPr lang="en-US" altLang="ko-KR" b="1" dirty="0">
+                <a:solidFill>
+                  <a:schemeClr val="tx1"/>
+                </a:solidFill>
+              </a:rPr>
+              <a:t>5V System</a:t>
+            </a:r>
+            <a:endParaRPr lang="ko-KR" altLang="en-US" b="1" dirty="0">
+              <a:solidFill>
+                <a:schemeClr val="tx1"/>
+              </a:solidFill>
+            </a:endParaRPr>
+          </a:p>
+        </p:txBody>
+      </p:sp>
+      <p:sp>
+        <p:nvSpPr>
+          <p:cNvPr id="92" name="직사각형 91">
+            <a:extLst>
+              <a:ext uri="{FF2B5EF4-FFF2-40B4-BE49-F238E27FC236}">
+                <a16:creationId xmlns:a16="http://schemas.microsoft.com/office/drawing/2014/main" id="{1E96B883-1E8F-4768-B736-B818A60038FA}"/>
+              </a:ext>
+            </a:extLst>
+          </p:cNvPr>
+          <p:cNvSpPr/>
+          <p:nvPr/>
+        </p:nvSpPr>
+        <p:spPr>
+          <a:xfrm>
+            <a:off x="7018959" y="3037104"/>
+            <a:ext cx="3964404" cy="1768260"/>
+          </a:xfrm>
+          <a:prstGeom prst="rect">
+            <a:avLst/>
+          </a:prstGeom>
+          <a:solidFill>
+            <a:schemeClr val="accent1">
+              <a:lumMod val="75000"/>
+              <a:alpha val="15000"/>
+            </a:schemeClr>
+          </a:solidFill>
+          <a:ln>
+            <a:noFill/>
+          </a:ln>
+        </p:spPr>
+        <p:style>
+          <a:lnRef idx="2">
+            <a:schemeClr val="accent1">
+              <a:shade val="50000"/>
+            </a:schemeClr>
+          </a:lnRef>
+          <a:fillRef idx="1">
+            <a:schemeClr val="accent1"/>
+          </a:fillRef>
+          <a:effectRef idx="0">
+            <a:schemeClr val="accent1"/>
+          </a:effectRef>
+          <a:fontRef idx="minor">
+            <a:schemeClr val="lt1"/>
+          </a:fontRef>
+        </p:style>
+        <p:txBody>
+          <a:bodyPr rtlCol="0" anchor="ctr"/>
+          <a:lstStyle/>
+          <a:p>
+            <a:pPr algn="ctr"/>
+            <a:endParaRPr lang="ko-KR" altLang="en-US"/>
+          </a:p>
+        </p:txBody>
+      </p:sp>
       <p:pic>
         <p:nvPicPr>
           <p:cNvPr id="1026" name="Picture 2" descr="자동차 무료 아이콘 의 Selman Icons">
@@ -3339,6 +3548,39 @@
           <a:blip r:embed="rId2">
             <a:alphaModFix amt="32000"/>
             <a:extLst>
+              <a:ext uri="{BEBA8EAE-BF5A-486C-A8C5-ECC9F3942E4B}">
+                <a14:imgProps xmlns:a14="http://schemas.microsoft.com/office/drawing/2010/main">
+                  <a14:imgLayer r:embed="rId3">
+                    <a14:imgEffect>
+                      <a14:backgroundRemoval t="19532" b="91059" l="10000" r="90000">
+                        <a14:foregroundMark x1="32000" y1="32000" x2="32000" y2="32000"/>
+                        <a14:foregroundMark x1="40000" y1="32000" x2="40000" y2="32000"/>
+                        <a14:foregroundMark x1="43111" y1="32000" x2="49333" y2="32000"/>
+                        <a14:foregroundMark x1="30222" y1="31556" x2="47556" y2="31556"/>
+                        <a14:foregroundMark x1="47556" y1="31556" x2="56000" y2="31111"/>
+                        <a14:foregroundMark x1="56000" y1="31111" x2="60444" y2="31111"/>
+                        <a14:foregroundMark x1="60889" y1="32000" x2="74667" y2="44889"/>
+                        <a14:foregroundMark x1="74667" y1="44889" x2="82667" y2="45333"/>
+                        <a14:foregroundMark x1="82667" y1="45333" x2="89333" y2="52444"/>
+                        <a14:foregroundMark x1="89333" y1="52444" x2="87556" y2="63111"/>
+                        <a14:foregroundMark x1="87556" y1="63111" x2="72889" y2="72444"/>
+                        <a14:foregroundMark x1="72889" y1="72444" x2="64444" y2="70667"/>
+                        <a14:foregroundMark x1="64444" y1="70667" x2="57778" y2="65333"/>
+                        <a14:foregroundMark x1="57778" y1="65333" x2="40889" y2="64444"/>
+                        <a14:foregroundMark x1="40889" y1="64444" x2="32889" y2="70667"/>
+                        <a14:foregroundMark x1="32889" y1="70667" x2="25333" y2="72000"/>
+                        <a14:foregroundMark x1="25333" y1="72000" x2="11556" y2="60000"/>
+                        <a14:foregroundMark x1="11556" y1="60000" x2="12000" y2="48889"/>
+                        <a14:foregroundMark x1="12000" y1="48889" x2="19111" y2="44889"/>
+                        <a14:foregroundMark x1="19111" y1="44889" x2="24889" y2="36444"/>
+                        <a14:foregroundMark x1="24889" y1="36444" x2="32889" y2="31556"/>
+                        <a14:foregroundMark x1="32889" y1="31556" x2="58667" y2="29778"/>
+                        <a14:foregroundMark x1="58667" y1="29778" x2="61333" y2="30222"/>
+                      </a14:backgroundRemoval>
+                    </a14:imgEffect>
+                  </a14:imgLayer>
+                </a14:imgProps>
+              </a:ext>
               <a:ext uri="{28A0092B-C50C-407E-A947-70E740481C1C}">
                 <a14:useLocalDpi xmlns:a14="http://schemas.microsoft.com/office/drawing/2010/main" val="0"/>
               </a:ext>
@@ -3349,7 +3591,7 @@
         </p:blipFill>
         <p:spPr bwMode="auto">
           <a:xfrm>
-            <a:off x="4951310" y="58723"/>
+            <a:off x="5040954" y="1924290"/>
             <a:ext cx="6199455" cy="3813567"/>
           </a:xfrm>
           <a:prstGeom prst="rect">
@@ -3381,12 +3623,13 @@
         </p:nvSpPr>
         <p:spPr>
           <a:xfrm>
-            <a:off x="310610" y="173965"/>
+            <a:off x="310610" y="1977927"/>
             <a:ext cx="2265814" cy="883310"/>
           </a:xfrm>
           <a:prstGeom prst="rect">
             <a:avLst/>
           </a:prstGeom>
+          <a:noFill/>
         </p:spPr>
         <p:style>
           <a:lnRef idx="2">
@@ -3456,12 +3699,13 @@
         </p:nvSpPr>
         <p:spPr>
           <a:xfrm>
-            <a:off x="3957419" y="1771737"/>
+            <a:off x="3957419" y="3575699"/>
             <a:ext cx="1227589" cy="1052815"/>
           </a:xfrm>
           <a:prstGeom prst="rect">
             <a:avLst/>
           </a:prstGeom>
+          <a:noFill/>
         </p:spPr>
         <p:style>
           <a:lnRef idx="2">
@@ -3509,7 +3753,7 @@
         </p:nvSpPr>
         <p:spPr>
           <a:xfrm>
-            <a:off x="6283966" y="1910155"/>
+            <a:off x="6283966" y="3714117"/>
             <a:ext cx="914400" cy="914400"/>
           </a:xfrm>
           <a:prstGeom prst="ellipse">
@@ -3560,7 +3804,7 @@
         </p:nvCxnSpPr>
         <p:spPr>
           <a:xfrm>
-            <a:off x="5185008" y="2166020"/>
+            <a:off x="5185008" y="3969982"/>
             <a:ext cx="1142767" cy="0"/>
           </a:xfrm>
           <a:prstGeom prst="line">
@@ -3598,7 +3842,7 @@
         </p:nvCxnSpPr>
         <p:spPr>
           <a:xfrm>
-            <a:off x="5185008" y="2551914"/>
+            <a:off x="5185008" y="4355876"/>
             <a:ext cx="1142767" cy="0"/>
           </a:xfrm>
           <a:prstGeom prst="line">
@@ -3636,7 +3880,7 @@
         </p:nvCxnSpPr>
         <p:spPr>
           <a:xfrm flipH="1">
-            <a:off x="2029495" y="2073741"/>
+            <a:off x="2029495" y="3877703"/>
             <a:ext cx="1927925" cy="0"/>
           </a:xfrm>
           <a:prstGeom prst="line">
@@ -3675,7 +3919,7 @@
         </p:nvCxnSpPr>
         <p:spPr>
           <a:xfrm>
-            <a:off x="2058463" y="2298141"/>
+            <a:off x="2058463" y="4102103"/>
             <a:ext cx="1927924" cy="2098"/>
           </a:xfrm>
           <a:prstGeom prst="line">
@@ -3716,12 +3960,13 @@
         </p:nvSpPr>
         <p:spPr>
           <a:xfrm>
-            <a:off x="838726" y="4619618"/>
+            <a:off x="829461" y="5033756"/>
             <a:ext cx="1227589" cy="1052815"/>
           </a:xfrm>
           <a:prstGeom prst="rect">
             <a:avLst/>
           </a:prstGeom>
+          <a:noFill/>
         </p:spPr>
         <p:style>
           <a:lnRef idx="2">
@@ -3798,14 +4043,15 @@
           </p:cNvPr>
           <p:cNvCxnSpPr>
             <a:cxnSpLocks/>
+            <a:stCxn id="17" idx="0"/>
             <a:endCxn id="142" idx="2"/>
           </p:cNvCxnSpPr>
           <p:nvPr/>
         </p:nvCxnSpPr>
         <p:spPr>
-          <a:xfrm flipH="1" flipV="1">
-            <a:off x="1444669" y="2824548"/>
-            <a:ext cx="2650" cy="1814124"/>
+          <a:xfrm flipV="1">
+            <a:off x="1443256" y="4628510"/>
+            <a:ext cx="1413" cy="405246"/>
           </a:xfrm>
           <a:prstGeom prst="line">
             <a:avLst/>
@@ -3842,8 +4088,8 @@
         </p:nvCxnSpPr>
         <p:spPr>
           <a:xfrm>
-            <a:off x="1208626" y="2831756"/>
-            <a:ext cx="0" cy="1806919"/>
+            <a:off x="1208626" y="4635718"/>
+            <a:ext cx="0" cy="398038"/>
           </a:xfrm>
           <a:prstGeom prst="line">
             <a:avLst/>
@@ -3883,7 +4129,7 @@
         </p:nvSpPr>
         <p:spPr>
           <a:xfrm>
-            <a:off x="8823500" y="1910155"/>
+            <a:off x="8823500" y="3714117"/>
             <a:ext cx="914400" cy="914400"/>
           </a:xfrm>
           <a:prstGeom prst="ellipse">
@@ -3939,12 +4185,13 @@
         </p:nvSpPr>
         <p:spPr>
           <a:xfrm>
-            <a:off x="3957419" y="4638671"/>
+            <a:off x="3613798" y="1888931"/>
             <a:ext cx="1700167" cy="1052816"/>
           </a:xfrm>
           <a:prstGeom prst="roundRect">
             <a:avLst/>
           </a:prstGeom>
+          <a:noFill/>
         </p:spPr>
         <p:style>
           <a:lnRef idx="2">
@@ -3989,8 +4236,8 @@
         </p:nvCxnSpPr>
         <p:spPr>
           <a:xfrm flipH="1">
-            <a:off x="2057313" y="4867275"/>
-            <a:ext cx="1900106" cy="0"/>
+            <a:off x="2576424" y="2287685"/>
+            <a:ext cx="1042341" cy="0"/>
           </a:xfrm>
           <a:prstGeom prst="line">
             <a:avLst/>
@@ -4022,13 +4269,15 @@
           </p:cNvPr>
           <p:cNvCxnSpPr>
             <a:cxnSpLocks/>
+            <a:stCxn id="4" idx="3"/>
+            <a:endCxn id="26" idx="1"/>
           </p:cNvCxnSpPr>
           <p:nvPr/>
         </p:nvCxnSpPr>
         <p:spPr>
-          <a:xfrm>
-            <a:off x="2057312" y="5093777"/>
-            <a:ext cx="1900107" cy="0"/>
+          <a:xfrm flipV="1">
+            <a:off x="2576424" y="2415339"/>
+            <a:ext cx="1037374" cy="4243"/>
           </a:xfrm>
           <a:prstGeom prst="line">
             <a:avLst/>
@@ -4068,7 +4317,7 @@
         </p:nvSpPr>
         <p:spPr>
           <a:xfrm rot="5400000">
-            <a:off x="10042199" y="2174408"/>
+            <a:off x="10042199" y="3978370"/>
             <a:ext cx="1135380" cy="385894"/>
           </a:xfrm>
           <a:prstGeom prst="trapezoid">
@@ -4117,7 +4366,7 @@
         </p:nvSpPr>
         <p:spPr>
           <a:xfrm>
-            <a:off x="7018959" y="1274656"/>
+            <a:off x="7018959" y="3078618"/>
             <a:ext cx="1032079" cy="994162"/>
           </a:xfrm>
           <a:prstGeom prst="ellipse">
@@ -4152,329 +4401,268 @@
           </a:p>
         </p:txBody>
       </p:sp>
-      <p:grpSp>
-        <p:nvGrpSpPr>
-          <p:cNvPr id="84" name="그룹 83">
-            <a:extLst>
-              <a:ext uri="{FF2B5EF4-FFF2-40B4-BE49-F238E27FC236}">
-                <a16:creationId xmlns:a16="http://schemas.microsoft.com/office/drawing/2014/main" id="{6443AFAC-C34F-46D5-A701-883448BB6C26}"/>
-              </a:ext>
-            </a:extLst>
-          </p:cNvPr>
-          <p:cNvGrpSpPr/>
+      <p:cxnSp>
+        <p:nvCxnSpPr>
+          <p:cNvPr id="36" name="직선 연결선 35">
+            <a:extLst>
+              <a:ext uri="{FF2B5EF4-FFF2-40B4-BE49-F238E27FC236}">
+                <a16:creationId xmlns:a16="http://schemas.microsoft.com/office/drawing/2014/main" id="{F585AB08-F85A-49DE-AF8C-B15905D7ECE5}"/>
+              </a:ext>
+            </a:extLst>
+          </p:cNvPr>
+          <p:cNvCxnSpPr>
+            <a:cxnSpLocks/>
+          </p:cNvCxnSpPr>
           <p:nvPr/>
-        </p:nvGrpSpPr>
-        <p:grpSpPr>
+        </p:nvCxnSpPr>
+        <p:spPr>
           <a:xfrm>
-            <a:off x="2903203" y="2230755"/>
-            <a:ext cx="7513738" cy="2636520"/>
-            <a:chOff x="3179428" y="1021080"/>
-            <a:chExt cx="7513738" cy="2636520"/>
-          </a:xfrm>
-        </p:grpSpPr>
-        <p:grpSp>
-          <p:nvGrpSpPr>
-            <p:cNvPr id="62" name="그룹 61">
-              <a:extLst>
-                <a:ext uri="{FF2B5EF4-FFF2-40B4-BE49-F238E27FC236}">
-                  <a16:creationId xmlns:a16="http://schemas.microsoft.com/office/drawing/2014/main" id="{D2785688-0C99-4898-8092-073402637AF4}"/>
-                </a:ext>
-              </a:extLst>
-            </p:cNvPr>
-            <p:cNvGrpSpPr/>
-            <p:nvPr/>
-          </p:nvGrpSpPr>
-          <p:grpSpPr>
-            <a:xfrm>
-              <a:off x="3179428" y="1021080"/>
-              <a:ext cx="7513738" cy="2636520"/>
-              <a:chOff x="3179428" y="1021080"/>
-              <a:chExt cx="7513738" cy="2636520"/>
-            </a:xfrm>
-          </p:grpSpPr>
-          <p:grpSp>
-            <p:nvGrpSpPr>
-              <p:cNvPr id="52" name="그룹 51">
-                <a:extLst>
-                  <a:ext uri="{FF2B5EF4-FFF2-40B4-BE49-F238E27FC236}">
-                    <a16:creationId xmlns:a16="http://schemas.microsoft.com/office/drawing/2014/main" id="{9D61F63D-AF23-407B-8474-7979FA1A7712}"/>
-                  </a:ext>
-                </a:extLst>
-              </p:cNvPr>
-              <p:cNvGrpSpPr/>
-              <p:nvPr/>
-            </p:nvGrpSpPr>
-            <p:grpSpPr>
-              <a:xfrm>
-                <a:off x="3179428" y="1588294"/>
-                <a:ext cx="6199464" cy="2069306"/>
-                <a:chOff x="3179428" y="1588294"/>
-                <a:chExt cx="6199464" cy="2069306"/>
-              </a:xfrm>
-            </p:grpSpPr>
-            <p:cxnSp>
-              <p:nvCxnSpPr>
-                <p:cNvPr id="36" name="직선 연결선 35">
-                  <a:extLst>
-                    <a:ext uri="{FF2B5EF4-FFF2-40B4-BE49-F238E27FC236}">
-                      <a16:creationId xmlns:a16="http://schemas.microsoft.com/office/drawing/2014/main" id="{F585AB08-F85A-49DE-AF8C-B15905D7ECE5}"/>
-                    </a:ext>
-                  </a:extLst>
-                </p:cNvPr>
-                <p:cNvCxnSpPr/>
-                <p:nvPr/>
-              </p:nvCxnSpPr>
-              <p:spPr>
-                <a:xfrm flipV="1">
-                  <a:off x="3179428" y="2223083"/>
-                  <a:ext cx="0" cy="1434517"/>
-                </a:xfrm>
-                <a:prstGeom prst="line">
-                  <a:avLst/>
-                </a:prstGeom>
-              </p:spPr>
-              <p:style>
-                <a:lnRef idx="3">
-                  <a:schemeClr val="dk1"/>
-                </a:lnRef>
-                <a:fillRef idx="0">
-                  <a:schemeClr val="dk1"/>
-                </a:fillRef>
-                <a:effectRef idx="2">
-                  <a:schemeClr val="dk1"/>
-                </a:effectRef>
-                <a:fontRef idx="minor">
-                  <a:schemeClr val="tx1"/>
-                </a:fontRef>
-              </p:style>
-            </p:cxnSp>
-            <p:cxnSp>
-              <p:nvCxnSpPr>
-                <p:cNvPr id="39" name="직선 연결선 38">
-                  <a:extLst>
-                    <a:ext uri="{FF2B5EF4-FFF2-40B4-BE49-F238E27FC236}">
-                      <a16:creationId xmlns:a16="http://schemas.microsoft.com/office/drawing/2014/main" id="{3C430962-AD29-4646-A72F-139BAD44DB58}"/>
-                    </a:ext>
-                  </a:extLst>
-                </p:cNvPr>
-                <p:cNvCxnSpPr>
-                  <a:cxnSpLocks/>
-                </p:cNvCxnSpPr>
-                <p:nvPr/>
-              </p:nvCxnSpPr>
-              <p:spPr>
-                <a:xfrm flipH="1">
-                  <a:off x="3179428" y="2223083"/>
-                  <a:ext cx="6199464" cy="0"/>
-                </a:xfrm>
-                <a:prstGeom prst="line">
-                  <a:avLst/>
-                </a:prstGeom>
-              </p:spPr>
-              <p:style>
-                <a:lnRef idx="3">
-                  <a:schemeClr val="dk1"/>
-                </a:lnRef>
-                <a:fillRef idx="0">
-                  <a:schemeClr val="dk1"/>
-                </a:fillRef>
-                <a:effectRef idx="2">
-                  <a:schemeClr val="dk1"/>
-                </a:effectRef>
-                <a:fontRef idx="minor">
-                  <a:schemeClr val="tx1"/>
-                </a:fontRef>
-              </p:style>
-            </p:cxnSp>
-            <p:cxnSp>
-              <p:nvCxnSpPr>
-                <p:cNvPr id="45" name="직선 연결선 44">
-                  <a:extLst>
-                    <a:ext uri="{FF2B5EF4-FFF2-40B4-BE49-F238E27FC236}">
-                      <a16:creationId xmlns:a16="http://schemas.microsoft.com/office/drawing/2014/main" id="{8873D3EB-3854-4959-B9F4-7DDEACCBAC7A}"/>
-                    </a:ext>
-                  </a:extLst>
-                </p:cNvPr>
-                <p:cNvCxnSpPr>
-                  <a:cxnSpLocks/>
-                </p:cNvCxnSpPr>
-                <p:nvPr/>
-              </p:nvCxnSpPr>
-              <p:spPr>
-                <a:xfrm flipV="1">
-                  <a:off x="9378892" y="1588294"/>
-                  <a:ext cx="0" cy="634789"/>
-                </a:xfrm>
-                <a:prstGeom prst="line">
-                  <a:avLst/>
-                </a:prstGeom>
-              </p:spPr>
-              <p:style>
-                <a:lnRef idx="3">
-                  <a:schemeClr val="dk1"/>
-                </a:lnRef>
-                <a:fillRef idx="0">
-                  <a:schemeClr val="dk1"/>
-                </a:fillRef>
-                <a:effectRef idx="2">
-                  <a:schemeClr val="dk1"/>
-                </a:effectRef>
-                <a:fontRef idx="minor">
-                  <a:schemeClr val="tx1"/>
-                </a:fontRef>
-              </p:style>
-            </p:cxnSp>
-          </p:grpSp>
-          <p:cxnSp>
-            <p:nvCxnSpPr>
-              <p:cNvPr id="55" name="직선 연결선 54">
-                <a:extLst>
-                  <a:ext uri="{FF2B5EF4-FFF2-40B4-BE49-F238E27FC236}">
-                    <a16:creationId xmlns:a16="http://schemas.microsoft.com/office/drawing/2014/main" id="{54B2F36E-3CAD-4D9C-A0B1-AABE5AFC98B1}"/>
-                  </a:ext>
-                </a:extLst>
-              </p:cNvPr>
-              <p:cNvCxnSpPr/>
-              <p:nvPr/>
-            </p:nvCxnSpPr>
-            <p:spPr>
-              <a:xfrm>
-                <a:off x="9378892" y="2223083"/>
-                <a:ext cx="801428" cy="0"/>
-              </a:xfrm>
-              <a:prstGeom prst="line">
-                <a:avLst/>
-              </a:prstGeom>
-            </p:spPr>
-            <p:style>
-              <a:lnRef idx="3">
-                <a:schemeClr val="dk1"/>
-              </a:lnRef>
-              <a:fillRef idx="0">
-                <a:schemeClr val="dk1"/>
-              </a:fillRef>
-              <a:effectRef idx="2">
-                <a:schemeClr val="dk1"/>
-              </a:effectRef>
-              <a:fontRef idx="minor">
-                <a:schemeClr val="tx1"/>
-              </a:fontRef>
-            </p:style>
-          </p:cxnSp>
-          <p:cxnSp>
-            <p:nvCxnSpPr>
-              <p:cNvPr id="56" name="직선 연결선 55">
-                <a:extLst>
-                  <a:ext uri="{FF2B5EF4-FFF2-40B4-BE49-F238E27FC236}">
-                    <a16:creationId xmlns:a16="http://schemas.microsoft.com/office/drawing/2014/main" id="{6A74C83A-4EE7-44B1-A04D-86A25E2C731F}"/>
-                  </a:ext>
-                </a:extLst>
-              </p:cNvPr>
-              <p:cNvCxnSpPr>
-                <a:cxnSpLocks/>
-              </p:cNvCxnSpPr>
-              <p:nvPr/>
-            </p:nvCxnSpPr>
-            <p:spPr>
-              <a:xfrm flipV="1">
-                <a:off x="10180320" y="1021080"/>
-                <a:ext cx="0" cy="1202004"/>
-              </a:xfrm>
-              <a:prstGeom prst="line">
-                <a:avLst/>
-              </a:prstGeom>
-            </p:spPr>
-            <p:style>
-              <a:lnRef idx="3">
-                <a:schemeClr val="dk1"/>
-              </a:lnRef>
-              <a:fillRef idx="0">
-                <a:schemeClr val="dk1"/>
-              </a:fillRef>
-              <a:effectRef idx="2">
-                <a:schemeClr val="dk1"/>
-              </a:effectRef>
-              <a:fontRef idx="minor">
-                <a:schemeClr val="tx1"/>
-              </a:fontRef>
-            </p:style>
-          </p:cxnSp>
-          <p:cxnSp>
-            <p:nvCxnSpPr>
-              <p:cNvPr id="59" name="직선 연결선 58">
-                <a:extLst>
-                  <a:ext uri="{FF2B5EF4-FFF2-40B4-BE49-F238E27FC236}">
-                    <a16:creationId xmlns:a16="http://schemas.microsoft.com/office/drawing/2014/main" id="{C49B3E46-4674-4CB3-BA92-1A727DDD8DD4}"/>
-                  </a:ext>
-                </a:extLst>
-              </p:cNvPr>
-              <p:cNvCxnSpPr>
-                <a:cxnSpLocks/>
-              </p:cNvCxnSpPr>
-              <p:nvPr/>
-            </p:nvCxnSpPr>
-            <p:spPr>
-              <a:xfrm flipH="1">
-                <a:off x="10180320" y="1021080"/>
-                <a:ext cx="512846" cy="0"/>
-              </a:xfrm>
-              <a:prstGeom prst="line">
-                <a:avLst/>
-              </a:prstGeom>
-            </p:spPr>
-            <p:style>
-              <a:lnRef idx="3">
-                <a:schemeClr val="dk1"/>
-              </a:lnRef>
-              <a:fillRef idx="0">
-                <a:schemeClr val="dk1"/>
-              </a:fillRef>
-              <a:effectRef idx="2">
-                <a:schemeClr val="dk1"/>
-              </a:effectRef>
-              <a:fontRef idx="minor">
-                <a:schemeClr val="tx1"/>
-              </a:fontRef>
-            </p:style>
-          </p:cxnSp>
-        </p:grpSp>
-        <p:cxnSp>
-          <p:nvCxnSpPr>
-            <p:cNvPr id="78" name="직선 연결선 77">
-              <a:extLst>
-                <a:ext uri="{FF2B5EF4-FFF2-40B4-BE49-F238E27FC236}">
-                  <a16:creationId xmlns:a16="http://schemas.microsoft.com/office/drawing/2014/main" id="{B7796540-907D-4105-AD3F-10874237C107}"/>
-                </a:ext>
-              </a:extLst>
-            </p:cNvPr>
-            <p:cNvCxnSpPr/>
-            <p:nvPr/>
-          </p:nvCxnSpPr>
-          <p:spPr>
-            <a:xfrm flipV="1">
-              <a:off x="7620000" y="1021080"/>
-              <a:ext cx="0" cy="1202003"/>
-            </a:xfrm>
-            <a:prstGeom prst="line">
-              <a:avLst/>
-            </a:prstGeom>
-          </p:spPr>
-          <p:style>
-            <a:lnRef idx="3">
-              <a:schemeClr val="dk1"/>
-            </a:lnRef>
-            <a:fillRef idx="0">
-              <a:schemeClr val="dk1"/>
-            </a:fillRef>
-            <a:effectRef idx="2">
-              <a:schemeClr val="dk1"/>
-            </a:effectRef>
-            <a:fontRef idx="minor">
-              <a:schemeClr val="tx1"/>
-            </a:fontRef>
-          </p:style>
-        </p:cxnSp>
-      </p:grpSp>
+            <a:off x="2057050" y="5232962"/>
+            <a:ext cx="846153" cy="3759"/>
+          </a:xfrm>
+          <a:prstGeom prst="line">
+            <a:avLst/>
+          </a:prstGeom>
+        </p:spPr>
+        <p:style>
+          <a:lnRef idx="3">
+            <a:schemeClr val="dk1"/>
+          </a:lnRef>
+          <a:fillRef idx="0">
+            <a:schemeClr val="dk1"/>
+          </a:fillRef>
+          <a:effectRef idx="2">
+            <a:schemeClr val="dk1"/>
+          </a:effectRef>
+          <a:fontRef idx="minor">
+            <a:schemeClr val="tx1"/>
+          </a:fontRef>
+        </p:style>
+      </p:cxnSp>
+      <p:cxnSp>
+        <p:nvCxnSpPr>
+          <p:cNvPr id="39" name="직선 연결선 38">
+            <a:extLst>
+              <a:ext uri="{FF2B5EF4-FFF2-40B4-BE49-F238E27FC236}">
+                <a16:creationId xmlns:a16="http://schemas.microsoft.com/office/drawing/2014/main" id="{3C430962-AD29-4646-A72F-139BAD44DB58}"/>
+              </a:ext>
+            </a:extLst>
+          </p:cNvPr>
+          <p:cNvCxnSpPr>
+            <a:cxnSpLocks/>
+          </p:cNvCxnSpPr>
+          <p:nvPr/>
+        </p:nvCxnSpPr>
+        <p:spPr>
+          <a:xfrm flipH="1">
+            <a:off x="2903203" y="5236720"/>
+            <a:ext cx="6199464" cy="0"/>
+          </a:xfrm>
+          <a:prstGeom prst="line">
+            <a:avLst/>
+          </a:prstGeom>
+        </p:spPr>
+        <p:style>
+          <a:lnRef idx="3">
+            <a:schemeClr val="dk1"/>
+          </a:lnRef>
+          <a:fillRef idx="0">
+            <a:schemeClr val="dk1"/>
+          </a:fillRef>
+          <a:effectRef idx="2">
+            <a:schemeClr val="dk1"/>
+          </a:effectRef>
+          <a:fontRef idx="minor">
+            <a:schemeClr val="tx1"/>
+          </a:fontRef>
+        </p:style>
+      </p:cxnSp>
+      <p:cxnSp>
+        <p:nvCxnSpPr>
+          <p:cNvPr id="45" name="직선 연결선 44">
+            <a:extLst>
+              <a:ext uri="{FF2B5EF4-FFF2-40B4-BE49-F238E27FC236}">
+                <a16:creationId xmlns:a16="http://schemas.microsoft.com/office/drawing/2014/main" id="{8873D3EB-3854-4959-B9F4-7DDEACCBAC7A}"/>
+              </a:ext>
+            </a:extLst>
+          </p:cNvPr>
+          <p:cNvCxnSpPr>
+            <a:cxnSpLocks/>
+          </p:cNvCxnSpPr>
+          <p:nvPr/>
+        </p:nvCxnSpPr>
+        <p:spPr>
+          <a:xfrm flipV="1">
+            <a:off x="9102667" y="4601932"/>
+            <a:ext cx="0" cy="634788"/>
+          </a:xfrm>
+          <a:prstGeom prst="line">
+            <a:avLst/>
+          </a:prstGeom>
+        </p:spPr>
+        <p:style>
+          <a:lnRef idx="3">
+            <a:schemeClr val="dk1"/>
+          </a:lnRef>
+          <a:fillRef idx="0">
+            <a:schemeClr val="dk1"/>
+          </a:fillRef>
+          <a:effectRef idx="2">
+            <a:schemeClr val="dk1"/>
+          </a:effectRef>
+          <a:fontRef idx="minor">
+            <a:schemeClr val="tx1"/>
+          </a:fontRef>
+        </p:style>
+      </p:cxnSp>
+      <p:cxnSp>
+        <p:nvCxnSpPr>
+          <p:cNvPr id="55" name="직선 연결선 54">
+            <a:extLst>
+              <a:ext uri="{FF2B5EF4-FFF2-40B4-BE49-F238E27FC236}">
+                <a16:creationId xmlns:a16="http://schemas.microsoft.com/office/drawing/2014/main" id="{54B2F36E-3CAD-4D9C-A0B1-AABE5AFC98B1}"/>
+              </a:ext>
+            </a:extLst>
+          </p:cNvPr>
+          <p:cNvCxnSpPr/>
+          <p:nvPr/>
+        </p:nvCxnSpPr>
+        <p:spPr>
+          <a:xfrm>
+            <a:off x="9102667" y="5236720"/>
+            <a:ext cx="801428" cy="0"/>
+          </a:xfrm>
+          <a:prstGeom prst="line">
+            <a:avLst/>
+          </a:prstGeom>
+        </p:spPr>
+        <p:style>
+          <a:lnRef idx="3">
+            <a:schemeClr val="dk1"/>
+          </a:lnRef>
+          <a:fillRef idx="0">
+            <a:schemeClr val="dk1"/>
+          </a:fillRef>
+          <a:effectRef idx="2">
+            <a:schemeClr val="dk1"/>
+          </a:effectRef>
+          <a:fontRef idx="minor">
+            <a:schemeClr val="tx1"/>
+          </a:fontRef>
+        </p:style>
+      </p:cxnSp>
+      <p:cxnSp>
+        <p:nvCxnSpPr>
+          <p:cNvPr id="56" name="직선 연결선 55">
+            <a:extLst>
+              <a:ext uri="{FF2B5EF4-FFF2-40B4-BE49-F238E27FC236}">
+                <a16:creationId xmlns:a16="http://schemas.microsoft.com/office/drawing/2014/main" id="{6A74C83A-4EE7-44B1-A04D-86A25E2C731F}"/>
+              </a:ext>
+            </a:extLst>
+          </p:cNvPr>
+          <p:cNvCxnSpPr>
+            <a:cxnSpLocks/>
+          </p:cNvCxnSpPr>
+          <p:nvPr/>
+        </p:nvCxnSpPr>
+        <p:spPr>
+          <a:xfrm flipV="1">
+            <a:off x="9904095" y="4034717"/>
+            <a:ext cx="0" cy="1202004"/>
+          </a:xfrm>
+          <a:prstGeom prst="line">
+            <a:avLst/>
+          </a:prstGeom>
+        </p:spPr>
+        <p:style>
+          <a:lnRef idx="3">
+            <a:schemeClr val="dk1"/>
+          </a:lnRef>
+          <a:fillRef idx="0">
+            <a:schemeClr val="dk1"/>
+          </a:fillRef>
+          <a:effectRef idx="2">
+            <a:schemeClr val="dk1"/>
+          </a:effectRef>
+          <a:fontRef idx="minor">
+            <a:schemeClr val="tx1"/>
+          </a:fontRef>
+        </p:style>
+      </p:cxnSp>
+      <p:cxnSp>
+        <p:nvCxnSpPr>
+          <p:cNvPr id="59" name="직선 연결선 58">
+            <a:extLst>
+              <a:ext uri="{FF2B5EF4-FFF2-40B4-BE49-F238E27FC236}">
+                <a16:creationId xmlns:a16="http://schemas.microsoft.com/office/drawing/2014/main" id="{C49B3E46-4674-4CB3-BA92-1A727DDD8DD4}"/>
+              </a:ext>
+            </a:extLst>
+          </p:cNvPr>
+          <p:cNvCxnSpPr>
+            <a:cxnSpLocks/>
+          </p:cNvCxnSpPr>
+          <p:nvPr/>
+        </p:nvCxnSpPr>
+        <p:spPr>
+          <a:xfrm flipH="1">
+            <a:off x="9904095" y="4034717"/>
+            <a:ext cx="512846" cy="0"/>
+          </a:xfrm>
+          <a:prstGeom prst="line">
+            <a:avLst/>
+          </a:prstGeom>
+        </p:spPr>
+        <p:style>
+          <a:lnRef idx="3">
+            <a:schemeClr val="dk1"/>
+          </a:lnRef>
+          <a:fillRef idx="0">
+            <a:schemeClr val="dk1"/>
+          </a:fillRef>
+          <a:effectRef idx="2">
+            <a:schemeClr val="dk1"/>
+          </a:effectRef>
+          <a:fontRef idx="minor">
+            <a:schemeClr val="tx1"/>
+          </a:fontRef>
+        </p:style>
+      </p:cxnSp>
+      <p:cxnSp>
+        <p:nvCxnSpPr>
+          <p:cNvPr id="78" name="직선 연결선 77">
+            <a:extLst>
+              <a:ext uri="{FF2B5EF4-FFF2-40B4-BE49-F238E27FC236}">
+                <a16:creationId xmlns:a16="http://schemas.microsoft.com/office/drawing/2014/main" id="{B7796540-907D-4105-AD3F-10874237C107}"/>
+              </a:ext>
+            </a:extLst>
+          </p:cNvPr>
+          <p:cNvCxnSpPr/>
+          <p:nvPr/>
+        </p:nvCxnSpPr>
+        <p:spPr>
+          <a:xfrm flipV="1">
+            <a:off x="7343775" y="4034717"/>
+            <a:ext cx="0" cy="1202003"/>
+          </a:xfrm>
+          <a:prstGeom prst="line">
+            <a:avLst/>
+          </a:prstGeom>
+        </p:spPr>
+        <p:style>
+          <a:lnRef idx="3">
+            <a:schemeClr val="dk1"/>
+          </a:lnRef>
+          <a:fillRef idx="0">
+            <a:schemeClr val="dk1"/>
+          </a:fillRef>
+          <a:effectRef idx="2">
+            <a:schemeClr val="dk1"/>
+          </a:effectRef>
+          <a:fontRef idx="minor">
+            <a:schemeClr val="tx1"/>
+          </a:fontRef>
+        </p:style>
+      </p:cxnSp>
       <p:cxnSp>
         <p:nvCxnSpPr>
           <p:cNvPr id="42" name="직선 연결선 41">
@@ -4484,13 +4672,15 @@
               </a:ext>
             </a:extLst>
           </p:cNvPr>
-          <p:cNvCxnSpPr/>
+          <p:cNvCxnSpPr>
+            <a:cxnSpLocks/>
+          </p:cNvCxnSpPr>
           <p:nvPr/>
         </p:nvCxnSpPr>
         <p:spPr>
-          <a:xfrm flipV="1">
-            <a:off x="3122715" y="3647847"/>
-            <a:ext cx="0" cy="1434517"/>
+          <a:xfrm>
+            <a:off x="2057050" y="5451808"/>
+            <a:ext cx="1065665" cy="2"/>
           </a:xfrm>
           <a:prstGeom prst="line">
             <a:avLst/>
@@ -4532,7 +4722,7 @@
         </p:nvCxnSpPr>
         <p:spPr>
           <a:xfrm flipH="1">
-            <a:off x="3122715" y="3647847"/>
+            <a:off x="3122715" y="5451809"/>
             <a:ext cx="6157985" cy="0"/>
           </a:xfrm>
           <a:prstGeom prst="line">
@@ -4575,7 +4765,7 @@
         </p:nvCxnSpPr>
         <p:spPr>
           <a:xfrm flipV="1">
-            <a:off x="9280700" y="2811743"/>
+            <a:off x="9280700" y="4615705"/>
             <a:ext cx="0" cy="836103"/>
           </a:xfrm>
           <a:prstGeom prst="line">
@@ -4616,7 +4806,7 @@
         </p:nvCxnSpPr>
         <p:spPr>
           <a:xfrm>
-            <a:off x="9280700" y="3647846"/>
+            <a:off x="9280700" y="5451808"/>
             <a:ext cx="834703" cy="0"/>
           </a:xfrm>
           <a:prstGeom prst="line">
@@ -4659,7 +4849,7 @@
         </p:nvCxnSpPr>
         <p:spPr>
           <a:xfrm>
-            <a:off x="10115403" y="2354543"/>
+            <a:off x="10115403" y="4158505"/>
             <a:ext cx="0" cy="1293303"/>
           </a:xfrm>
           <a:prstGeom prst="line">
@@ -4702,7 +4892,7 @@
         </p:nvCxnSpPr>
         <p:spPr>
           <a:xfrm>
-            <a:off x="10115402" y="2357830"/>
+            <a:off x="10115402" y="4161792"/>
             <a:ext cx="301539" cy="0"/>
           </a:xfrm>
           <a:prstGeom prst="line">
@@ -4745,7 +4935,7 @@
         </p:nvCxnSpPr>
         <p:spPr>
           <a:xfrm flipV="1">
-            <a:off x="7535722" y="2256006"/>
+            <a:off x="7535722" y="4059968"/>
             <a:ext cx="0" cy="1391840"/>
           </a:xfrm>
           <a:prstGeom prst="line">
@@ -4786,12 +4976,13 @@
         </p:nvSpPr>
         <p:spPr>
           <a:xfrm>
-            <a:off x="7343775" y="5622413"/>
+            <a:off x="3613797" y="567371"/>
             <a:ext cx="1700167" cy="1052816"/>
           </a:xfrm>
           <a:prstGeom prst="roundRect">
             <a:avLst/>
           </a:prstGeom>
+          <a:noFill/>
         </p:spPr>
         <p:style>
           <a:lnRef idx="2">
@@ -4834,7 +5025,7 @@
         </p:nvSpPr>
         <p:spPr>
           <a:xfrm rot="5400000">
-            <a:off x="9663331" y="815167"/>
+            <a:off x="9663331" y="2619129"/>
             <a:ext cx="912861" cy="512845"/>
           </a:xfrm>
           <a:prstGeom prst="trapezoid">
@@ -4885,7 +5076,7 @@
         </p:nvCxnSpPr>
         <p:spPr>
           <a:xfrm flipH="1">
-            <a:off x="8239125" y="1000125"/>
+            <a:off x="8239125" y="2804087"/>
             <a:ext cx="1624214" cy="0"/>
           </a:xfrm>
           <a:prstGeom prst="line">
@@ -4927,9 +5118,9 @@
           <p:nvPr/>
         </p:nvCxnSpPr>
         <p:spPr>
-          <a:xfrm flipV="1">
-            <a:off x="8239125" y="1000125"/>
-            <a:ext cx="0" cy="4622288"/>
+          <a:xfrm>
+            <a:off x="8239125" y="1402341"/>
+            <a:ext cx="0" cy="1401746"/>
           </a:xfrm>
           <a:prstGeom prst="line">
             <a:avLst/>
@@ -4971,7 +5162,7 @@
         </p:nvCxnSpPr>
         <p:spPr>
           <a:xfrm flipH="1">
-            <a:off x="8305800" y="1057275"/>
+            <a:off x="8305800" y="2861237"/>
             <a:ext cx="1557539" cy="0"/>
           </a:xfrm>
           <a:prstGeom prst="line">
@@ -5013,9 +5204,9 @@
           <p:nvPr/>
         </p:nvCxnSpPr>
         <p:spPr>
-          <a:xfrm flipV="1">
-            <a:off x="8305800" y="1057275"/>
-            <a:ext cx="0" cy="4565138"/>
+          <a:xfrm>
+            <a:off x="8305800" y="1330856"/>
+            <a:ext cx="0" cy="1530381"/>
           </a:xfrm>
           <a:prstGeom prst="line">
             <a:avLst/>
@@ -5057,7 +5248,7 @@
         </p:nvCxnSpPr>
         <p:spPr>
           <a:xfrm flipH="1">
-            <a:off x="8372475" y="1114425"/>
+            <a:off x="8372475" y="2918387"/>
             <a:ext cx="1490864" cy="0"/>
           </a:xfrm>
           <a:prstGeom prst="line">
@@ -5099,9 +5290,9 @@
           <p:nvPr/>
         </p:nvCxnSpPr>
         <p:spPr>
-          <a:xfrm flipV="1">
-            <a:off x="8372475" y="1114425"/>
-            <a:ext cx="0" cy="4507988"/>
+          <a:xfrm>
+            <a:off x="8372475" y="1264527"/>
+            <a:ext cx="0" cy="1653860"/>
           </a:xfrm>
           <a:prstGeom prst="line">
             <a:avLst/>
@@ -5143,7 +5334,7 @@
         </p:nvCxnSpPr>
         <p:spPr>
           <a:xfrm flipH="1">
-            <a:off x="8439150" y="1169193"/>
+            <a:off x="8439150" y="2973155"/>
             <a:ext cx="1424189" cy="0"/>
           </a:xfrm>
           <a:prstGeom prst="line">
@@ -5185,9 +5376,321 @@
           <p:nvPr/>
         </p:nvCxnSpPr>
         <p:spPr>
+          <a:xfrm>
+            <a:off x="8439150" y="1194677"/>
+            <a:ext cx="0" cy="1776098"/>
+          </a:xfrm>
+          <a:prstGeom prst="line">
+            <a:avLst/>
+          </a:prstGeom>
+          <a:ln>
+            <a:solidFill>
+              <a:schemeClr val="accent6"/>
+            </a:solidFill>
+          </a:ln>
+        </p:spPr>
+        <p:style>
+          <a:lnRef idx="1">
+            <a:schemeClr val="accent1"/>
+          </a:lnRef>
+          <a:fillRef idx="0">
+            <a:schemeClr val="accent1"/>
+          </a:fillRef>
+          <a:effectRef idx="0">
+            <a:schemeClr val="accent1"/>
+          </a:effectRef>
+          <a:fontRef idx="minor">
+            <a:schemeClr val="tx1"/>
+          </a:fontRef>
+        </p:style>
+      </p:cxnSp>
+      <p:sp>
+        <p:nvSpPr>
+          <p:cNvPr id="1037" name="TextBox 1036">
+            <a:extLst>
+              <a:ext uri="{FF2B5EF4-FFF2-40B4-BE49-F238E27FC236}">
+                <a16:creationId xmlns:a16="http://schemas.microsoft.com/office/drawing/2014/main" id="{A815604B-9E82-45AF-A80F-1429D57DEE95}"/>
+              </a:ext>
+            </a:extLst>
+          </p:cNvPr>
+          <p:cNvSpPr txBox="1"/>
+          <p:nvPr/>
+        </p:nvSpPr>
+        <p:spPr>
+          <a:xfrm>
+            <a:off x="4718764" y="1571232"/>
+            <a:ext cx="1686188" cy="369332"/>
+          </a:xfrm>
+          <a:prstGeom prst="rect">
+            <a:avLst/>
+          </a:prstGeom>
+          <a:noFill/>
+        </p:spPr>
+        <p:txBody>
+          <a:bodyPr wrap="square" rtlCol="0">
+            <a:spAutoFit/>
+          </a:bodyPr>
+          <a:lstStyle/>
+          <a:p>
+            <a:r>
+              <a:rPr lang="en-US" altLang="ko-KR" dirty="0">
+                <a:solidFill>
+                  <a:schemeClr val="accent6"/>
+                </a:solidFill>
+              </a:rPr>
+              <a:t>USART Rx/Tx</a:t>
+            </a:r>
+            <a:endParaRPr lang="ko-KR" altLang="en-US" dirty="0">
+              <a:solidFill>
+                <a:schemeClr val="accent6"/>
+              </a:solidFill>
+            </a:endParaRPr>
+          </a:p>
+        </p:txBody>
+      </p:sp>
+      <p:sp>
+        <p:nvSpPr>
+          <p:cNvPr id="142" name="직사각형 141">
+            <a:extLst>
+              <a:ext uri="{FF2B5EF4-FFF2-40B4-BE49-F238E27FC236}">
+                <a16:creationId xmlns:a16="http://schemas.microsoft.com/office/drawing/2014/main" id="{45BF08CD-2957-4D2B-AD35-F95A4013DC3F}"/>
+              </a:ext>
+            </a:extLst>
+          </p:cNvPr>
+          <p:cNvSpPr/>
+          <p:nvPr/>
+        </p:nvSpPr>
+        <p:spPr>
+          <a:xfrm>
+            <a:off x="830874" y="3575695"/>
+            <a:ext cx="1227589" cy="1052815"/>
+          </a:xfrm>
+          <a:prstGeom prst="rect">
+            <a:avLst/>
+          </a:prstGeom>
+          <a:noFill/>
+        </p:spPr>
+        <p:style>
+          <a:lnRef idx="2">
+            <a:schemeClr val="dk1"/>
+          </a:lnRef>
+          <a:fillRef idx="1">
+            <a:schemeClr val="lt1"/>
+          </a:fillRef>
+          <a:effectRef idx="0">
+            <a:schemeClr val="dk1"/>
+          </a:effectRef>
+          <a:fontRef idx="minor">
+            <a:schemeClr val="dk1"/>
+          </a:fontRef>
+        </p:style>
+        <p:txBody>
+          <a:bodyPr rtlCol="0" anchor="ctr"/>
+          <a:lstStyle/>
+          <a:p>
+            <a:pPr algn="ctr"/>
+            <a:r>
+              <a:rPr lang="en-US" altLang="ko-KR" b="1" i="0" dirty="0">
+                <a:solidFill>
+                  <a:srgbClr val="222222"/>
+                </a:solidFill>
+                <a:effectLst/>
+                <a:latin typeface="Apple SD Gothic Neo"/>
+              </a:rPr>
+              <a:t>Power</a:t>
+            </a:r>
+          </a:p>
+          <a:p>
+            <a:pPr algn="ctr"/>
+            <a:r>
+              <a:rPr lang="en-US" altLang="ko-KR" b="1" dirty="0">
+                <a:solidFill>
+                  <a:srgbClr val="222222"/>
+                </a:solidFill>
+                <a:latin typeface="Apple SD Gothic Neo"/>
+              </a:rPr>
+              <a:t>Switch</a:t>
+            </a:r>
+          </a:p>
+        </p:txBody>
+      </p:sp>
+      <p:cxnSp>
+        <p:nvCxnSpPr>
+          <p:cNvPr id="147" name="직선 연결선 146">
+            <a:extLst>
+              <a:ext uri="{FF2B5EF4-FFF2-40B4-BE49-F238E27FC236}">
+                <a16:creationId xmlns:a16="http://schemas.microsoft.com/office/drawing/2014/main" id="{7A28B676-B903-4C70-8F3E-E3AE685FE51B}"/>
+              </a:ext>
+            </a:extLst>
+          </p:cNvPr>
+          <p:cNvCxnSpPr>
+            <a:cxnSpLocks/>
+          </p:cNvCxnSpPr>
+          <p:nvPr/>
+        </p:nvCxnSpPr>
+        <p:spPr>
+          <a:xfrm>
+            <a:off x="1208626" y="2861237"/>
+            <a:ext cx="0" cy="714462"/>
+          </a:xfrm>
+          <a:prstGeom prst="line">
+            <a:avLst/>
+          </a:prstGeom>
+          <a:ln>
+            <a:solidFill>
+              <a:srgbClr val="FF0000"/>
+            </a:solidFill>
+          </a:ln>
+        </p:spPr>
+        <p:style>
+          <a:lnRef idx="3">
+            <a:schemeClr val="dk1"/>
+          </a:lnRef>
+          <a:fillRef idx="0">
+            <a:schemeClr val="dk1"/>
+          </a:fillRef>
+          <a:effectRef idx="2">
+            <a:schemeClr val="dk1"/>
+          </a:effectRef>
+          <a:fontRef idx="minor">
+            <a:schemeClr val="tx1"/>
+          </a:fontRef>
+        </p:style>
+      </p:cxnSp>
+      <p:cxnSp>
+        <p:nvCxnSpPr>
+          <p:cNvPr id="150" name="직선 연결선 149">
+            <a:extLst>
+              <a:ext uri="{FF2B5EF4-FFF2-40B4-BE49-F238E27FC236}">
+                <a16:creationId xmlns:a16="http://schemas.microsoft.com/office/drawing/2014/main" id="{2E2EF388-66AB-4977-8C4E-9C6682CD3ACA}"/>
+              </a:ext>
+            </a:extLst>
+          </p:cNvPr>
+          <p:cNvCxnSpPr>
+            <a:cxnSpLocks/>
+            <a:stCxn id="142" idx="0"/>
+            <a:endCxn id="4" idx="2"/>
+          </p:cNvCxnSpPr>
+          <p:nvPr/>
+        </p:nvCxnSpPr>
+        <p:spPr>
+          <a:xfrm flipH="1" flipV="1">
+            <a:off x="1443517" y="2861237"/>
+            <a:ext cx="1152" cy="714458"/>
+          </a:xfrm>
+          <a:prstGeom prst="line">
+            <a:avLst/>
+          </a:prstGeom>
+        </p:spPr>
+        <p:style>
+          <a:lnRef idx="3">
+            <a:schemeClr val="dk1"/>
+          </a:lnRef>
+          <a:fillRef idx="0">
+            <a:schemeClr val="dk1"/>
+          </a:fillRef>
+          <a:effectRef idx="2">
+            <a:schemeClr val="dk1"/>
+          </a:effectRef>
+          <a:fontRef idx="minor">
+            <a:schemeClr val="tx1"/>
+          </a:fontRef>
+        </p:style>
+      </p:cxnSp>
+      <p:cxnSp>
+        <p:nvCxnSpPr>
+          <p:cNvPr id="37" name="직선 화살표 연결선 36">
+            <a:extLst>
+              <a:ext uri="{FF2B5EF4-FFF2-40B4-BE49-F238E27FC236}">
+                <a16:creationId xmlns:a16="http://schemas.microsoft.com/office/drawing/2014/main" id="{BFFAC7BC-06DC-44FF-9078-C74D85ABFB34}"/>
+              </a:ext>
+            </a:extLst>
+          </p:cNvPr>
+          <p:cNvCxnSpPr/>
+          <p:nvPr/>
+        </p:nvCxnSpPr>
+        <p:spPr>
+          <a:xfrm>
+            <a:off x="4267200" y="1620187"/>
+            <a:ext cx="0" cy="268744"/>
+          </a:xfrm>
+          <a:prstGeom prst="straightConnector1">
+            <a:avLst/>
+          </a:prstGeom>
+          <a:ln>
+            <a:tailEnd type="triangle"/>
+          </a:ln>
+        </p:spPr>
+        <p:style>
+          <a:lnRef idx="3">
+            <a:schemeClr val="accent6"/>
+          </a:lnRef>
+          <a:fillRef idx="0">
+            <a:schemeClr val="accent6"/>
+          </a:fillRef>
+          <a:effectRef idx="2">
+            <a:schemeClr val="accent6"/>
+          </a:effectRef>
+          <a:fontRef idx="minor">
+            <a:schemeClr val="tx1"/>
+          </a:fontRef>
+        </p:style>
+      </p:cxnSp>
+      <p:cxnSp>
+        <p:nvCxnSpPr>
+          <p:cNvPr id="40" name="직선 화살표 연결선 39">
+            <a:extLst>
+              <a:ext uri="{FF2B5EF4-FFF2-40B4-BE49-F238E27FC236}">
+                <a16:creationId xmlns:a16="http://schemas.microsoft.com/office/drawing/2014/main" id="{B1AFA0F2-724A-4A97-AC91-8340D22BFB28}"/>
+              </a:ext>
+            </a:extLst>
+          </p:cNvPr>
+          <p:cNvCxnSpPr/>
+          <p:nvPr/>
+        </p:nvCxnSpPr>
+        <p:spPr>
           <a:xfrm flipV="1">
-            <a:off x="8439150" y="1166813"/>
-            <a:ext cx="0" cy="4455600"/>
+            <a:off x="4678680" y="1620187"/>
+            <a:ext cx="0" cy="268744"/>
+          </a:xfrm>
+          <a:prstGeom prst="straightConnector1">
+            <a:avLst/>
+          </a:prstGeom>
+          <a:ln>
+            <a:tailEnd type="triangle"/>
+          </a:ln>
+        </p:spPr>
+        <p:style>
+          <a:lnRef idx="3">
+            <a:schemeClr val="accent6"/>
+          </a:lnRef>
+          <a:fillRef idx="0">
+            <a:schemeClr val="accent6"/>
+          </a:fillRef>
+          <a:effectRef idx="2">
+            <a:schemeClr val="accent6"/>
+          </a:effectRef>
+          <a:fontRef idx="minor">
+            <a:schemeClr val="tx1"/>
+          </a:fontRef>
+        </p:style>
+      </p:cxnSp>
+      <p:cxnSp>
+        <p:nvCxnSpPr>
+          <p:cNvPr id="54" name="직선 연결선 53">
+            <a:extLst>
+              <a:ext uri="{FF2B5EF4-FFF2-40B4-BE49-F238E27FC236}">
+                <a16:creationId xmlns:a16="http://schemas.microsoft.com/office/drawing/2014/main" id="{9F51C5EC-4EE8-4020-AD8A-831460D6B60A}"/>
+              </a:ext>
+            </a:extLst>
+          </p:cNvPr>
+          <p:cNvCxnSpPr/>
+          <p:nvPr/>
+        </p:nvCxnSpPr>
+        <p:spPr>
+          <a:xfrm flipH="1">
+            <a:off x="5313964" y="1402341"/>
+            <a:ext cx="2925161" cy="0"/>
           </a:xfrm>
           <a:prstGeom prst="line">
             <a:avLst/>
@@ -5215,30 +5718,195 @@
       </p:cxnSp>
       <p:cxnSp>
         <p:nvCxnSpPr>
-          <p:cNvPr id="1024" name="연결선: 꺾임 1023">
-            <a:extLst>
-              <a:ext uri="{FF2B5EF4-FFF2-40B4-BE49-F238E27FC236}">
-                <a16:creationId xmlns:a16="http://schemas.microsoft.com/office/drawing/2014/main" id="{05647E73-0CFE-4434-B002-D51E438ABD1D}"/>
-              </a:ext>
-            </a:extLst>
-          </p:cNvPr>
-          <p:cNvCxnSpPr>
-            <a:stCxn id="26" idx="3"/>
-            <a:endCxn id="106" idx="1"/>
-          </p:cNvCxnSpPr>
+          <p:cNvPr id="58" name="직선 연결선 57">
+            <a:extLst>
+              <a:ext uri="{FF2B5EF4-FFF2-40B4-BE49-F238E27FC236}">
+                <a16:creationId xmlns:a16="http://schemas.microsoft.com/office/drawing/2014/main" id="{8C1F6E51-5C79-4F84-8EB3-8B6C33735697}"/>
+              </a:ext>
+            </a:extLst>
+          </p:cNvPr>
+          <p:cNvCxnSpPr/>
           <p:nvPr/>
         </p:nvCxnSpPr>
         <p:spPr>
+          <a:xfrm flipH="1">
+            <a:off x="5313964" y="1330856"/>
+            <a:ext cx="2991836" cy="0"/>
+          </a:xfrm>
+          <a:prstGeom prst="line">
+            <a:avLst/>
+          </a:prstGeom>
+          <a:ln>
+            <a:solidFill>
+              <a:schemeClr val="accent6"/>
+            </a:solidFill>
+          </a:ln>
+        </p:spPr>
+        <p:style>
+          <a:lnRef idx="1">
+            <a:schemeClr val="accent1"/>
+          </a:lnRef>
+          <a:fillRef idx="0">
+            <a:schemeClr val="accent1"/>
+          </a:fillRef>
+          <a:effectRef idx="0">
+            <a:schemeClr val="accent1"/>
+          </a:effectRef>
+          <a:fontRef idx="minor">
+            <a:schemeClr val="tx1"/>
+          </a:fontRef>
+        </p:style>
+      </p:cxnSp>
+      <p:cxnSp>
+        <p:nvCxnSpPr>
+          <p:cNvPr id="61" name="직선 연결선 60">
+            <a:extLst>
+              <a:ext uri="{FF2B5EF4-FFF2-40B4-BE49-F238E27FC236}">
+                <a16:creationId xmlns:a16="http://schemas.microsoft.com/office/drawing/2014/main" id="{918D3F40-55A7-4FB1-995A-774B673046E0}"/>
+              </a:ext>
+            </a:extLst>
+          </p:cNvPr>
+          <p:cNvCxnSpPr/>
+          <p:nvPr/>
+        </p:nvCxnSpPr>
+        <p:spPr>
+          <a:xfrm flipH="1">
+            <a:off x="5313964" y="1264527"/>
+            <a:ext cx="3058511" cy="0"/>
+          </a:xfrm>
+          <a:prstGeom prst="line">
+            <a:avLst/>
+          </a:prstGeom>
+          <a:ln>
+            <a:solidFill>
+              <a:schemeClr val="accent6"/>
+            </a:solidFill>
+          </a:ln>
+        </p:spPr>
+        <p:style>
+          <a:lnRef idx="1">
+            <a:schemeClr val="accent1"/>
+          </a:lnRef>
+          <a:fillRef idx="0">
+            <a:schemeClr val="accent1"/>
+          </a:fillRef>
+          <a:effectRef idx="0">
+            <a:schemeClr val="accent1"/>
+          </a:effectRef>
+          <a:fontRef idx="minor">
+            <a:schemeClr val="tx1"/>
+          </a:fontRef>
+        </p:style>
+      </p:cxnSp>
+      <p:cxnSp>
+        <p:nvCxnSpPr>
+          <p:cNvPr id="66" name="직선 연결선 65">
+            <a:extLst>
+              <a:ext uri="{FF2B5EF4-FFF2-40B4-BE49-F238E27FC236}">
+                <a16:creationId xmlns:a16="http://schemas.microsoft.com/office/drawing/2014/main" id="{E0A96476-2EC2-41C7-864D-0D6190DF7889}"/>
+              </a:ext>
+            </a:extLst>
+          </p:cNvPr>
+          <p:cNvCxnSpPr/>
+          <p:nvPr/>
+        </p:nvCxnSpPr>
+        <p:spPr>
+          <a:xfrm flipH="1">
+            <a:off x="5313964" y="1194677"/>
+            <a:ext cx="3125186" cy="0"/>
+          </a:xfrm>
+          <a:prstGeom prst="line">
+            <a:avLst/>
+          </a:prstGeom>
+          <a:ln>
+            <a:solidFill>
+              <a:schemeClr val="accent6"/>
+            </a:solidFill>
+          </a:ln>
+        </p:spPr>
+        <p:style>
+          <a:lnRef idx="1">
+            <a:schemeClr val="accent1"/>
+          </a:lnRef>
+          <a:fillRef idx="0">
+            <a:schemeClr val="accent1"/>
+          </a:fillRef>
+          <a:effectRef idx="0">
+            <a:schemeClr val="accent1"/>
+          </a:effectRef>
+          <a:fontRef idx="minor">
+            <a:schemeClr val="tx1"/>
+          </a:fontRef>
+        </p:style>
+      </p:cxnSp>
+      <p:sp>
+        <p:nvSpPr>
+          <p:cNvPr id="70" name="원통형 69">
+            <a:extLst>
+              <a:ext uri="{FF2B5EF4-FFF2-40B4-BE49-F238E27FC236}">
+                <a16:creationId xmlns:a16="http://schemas.microsoft.com/office/drawing/2014/main" id="{C3F9F17E-13E2-4BA4-BB6A-7B69E3C407C8}"/>
+              </a:ext>
+            </a:extLst>
+          </p:cNvPr>
+          <p:cNvSpPr/>
+          <p:nvPr/>
+        </p:nvSpPr>
+        <p:spPr>
           <a:xfrm>
-            <a:off x="5657586" y="5165079"/>
-            <a:ext cx="1686189" cy="983742"/>
-          </a:xfrm>
-          <a:prstGeom prst="bentConnector3">
+            <a:off x="1712338" y="721066"/>
+            <a:ext cx="1459947" cy="683982"/>
+          </a:xfrm>
+          <a:prstGeom prst="can">
             <a:avLst/>
           </a:prstGeom>
-          <a:ln>
-            <a:tailEnd type="triangle"/>
-          </a:ln>
+        </p:spPr>
+        <p:style>
+          <a:lnRef idx="1">
+            <a:schemeClr val="accent6"/>
+          </a:lnRef>
+          <a:fillRef idx="2">
+            <a:schemeClr val="accent6"/>
+          </a:fillRef>
+          <a:effectRef idx="1">
+            <a:schemeClr val="accent6"/>
+          </a:effectRef>
+          <a:fontRef idx="minor">
+            <a:schemeClr val="dk1"/>
+          </a:fontRef>
+        </p:style>
+        <p:txBody>
+          <a:bodyPr rtlCol="0" anchor="ctr"/>
+          <a:lstStyle/>
+          <a:p>
+            <a:pPr algn="ctr"/>
+            <a:r>
+              <a:rPr lang="en-US" altLang="ko-KR" dirty="0"/>
+              <a:t>Log Database</a:t>
+            </a:r>
+            <a:endParaRPr lang="ko-KR" altLang="en-US" dirty="0"/>
+          </a:p>
+        </p:txBody>
+      </p:sp>
+      <p:sp>
+        <p:nvSpPr>
+          <p:cNvPr id="71" name="왼쪽 중괄호 70">
+            <a:extLst>
+              <a:ext uri="{FF2B5EF4-FFF2-40B4-BE49-F238E27FC236}">
+                <a16:creationId xmlns:a16="http://schemas.microsoft.com/office/drawing/2014/main" id="{7ED89D2B-334C-4348-9477-7F25ACE9A164}"/>
+              </a:ext>
+            </a:extLst>
+          </p:cNvPr>
+          <p:cNvSpPr/>
+          <p:nvPr/>
+        </p:nvSpPr>
+        <p:spPr>
+          <a:xfrm>
+            <a:off x="3319456" y="567371"/>
+            <a:ext cx="294341" cy="1019150"/>
+          </a:xfrm>
+          <a:prstGeom prst="leftBrace">
+            <a:avLst/>
+          </a:prstGeom>
         </p:spPr>
         <p:style>
           <a:lnRef idx="3">
@@ -5254,30 +5922,34 @@
             <a:schemeClr val="tx1"/>
           </a:fontRef>
         </p:style>
-      </p:cxnSp>
+        <p:txBody>
+          <a:bodyPr rtlCol="0" anchor="ctr"/>
+          <a:lstStyle/>
+          <a:p>
+            <a:pPr algn="ctr"/>
+            <a:endParaRPr lang="ko-KR" altLang="en-US"/>
+          </a:p>
+        </p:txBody>
+      </p:sp>
       <p:cxnSp>
         <p:nvCxnSpPr>
-          <p:cNvPr id="1027" name="연결선: 꺾임 1026">
-            <a:extLst>
-              <a:ext uri="{FF2B5EF4-FFF2-40B4-BE49-F238E27FC236}">
-                <a16:creationId xmlns:a16="http://schemas.microsoft.com/office/drawing/2014/main" id="{CF101170-9E8B-44D7-9E00-7FD195BC4869}"/>
-              </a:ext>
-            </a:extLst>
-          </p:cNvPr>
-          <p:cNvCxnSpPr>
-            <a:cxnSpLocks/>
-          </p:cNvCxnSpPr>
+          <p:cNvPr id="73" name="연결선: 꺾임 72">
+            <a:extLst>
+              <a:ext uri="{FF2B5EF4-FFF2-40B4-BE49-F238E27FC236}">
+                <a16:creationId xmlns:a16="http://schemas.microsoft.com/office/drawing/2014/main" id="{BB01281B-5866-4474-959A-5C99C924BA7F}"/>
+              </a:ext>
+            </a:extLst>
+          </p:cNvPr>
+          <p:cNvCxnSpPr/>
           <p:nvPr/>
         </p:nvCxnSpPr>
         <p:spPr>
           <a:xfrm rot="10800000">
-            <a:off x="5657589" y="5283550"/>
-            <a:ext cx="1686187" cy="1002951"/>
+            <a:off x="5313965" y="2695575"/>
+            <a:ext cx="1704995" cy="880120"/>
           </a:xfrm>
           <a:prstGeom prst="bentConnector3">
-            <a:avLst>
-              <a:gd name="adj1" fmla="val 57344"/>
-            </a:avLst>
+            <a:avLst/>
           </a:prstGeom>
           <a:ln>
             <a:tailEnd type="triangle"/>
@@ -5285,165 +5957,13 @@
         </p:spPr>
         <p:style>
           <a:lnRef idx="3">
-            <a:schemeClr val="accent6"/>
+            <a:schemeClr val="accent1"/>
           </a:lnRef>
           <a:fillRef idx="0">
-            <a:schemeClr val="accent6"/>
+            <a:schemeClr val="accent1"/>
           </a:fillRef>
           <a:effectRef idx="2">
-            <a:schemeClr val="accent6"/>
-          </a:effectRef>
-          <a:fontRef idx="minor">
-            <a:schemeClr val="tx1"/>
-          </a:fontRef>
-        </p:style>
-      </p:cxnSp>
-      <p:sp>
-        <p:nvSpPr>
-          <p:cNvPr id="1037" name="TextBox 1036">
-            <a:extLst>
-              <a:ext uri="{FF2B5EF4-FFF2-40B4-BE49-F238E27FC236}">
-                <a16:creationId xmlns:a16="http://schemas.microsoft.com/office/drawing/2014/main" id="{A815604B-9E82-45AF-A80F-1429D57DEE95}"/>
-              </a:ext>
-            </a:extLst>
-          </p:cNvPr>
-          <p:cNvSpPr txBox="1"/>
-          <p:nvPr/>
-        </p:nvSpPr>
-        <p:spPr>
-          <a:xfrm>
-            <a:off x="5649195" y="4751746"/>
-            <a:ext cx="1686188" cy="369332"/>
-          </a:xfrm>
-          <a:prstGeom prst="rect">
-            <a:avLst/>
-          </a:prstGeom>
-          <a:noFill/>
-        </p:spPr>
-        <p:txBody>
-          <a:bodyPr wrap="square" rtlCol="0">
-            <a:spAutoFit/>
-          </a:bodyPr>
-          <a:lstStyle/>
-          <a:p>
-            <a:r>
-              <a:rPr lang="en-US" altLang="ko-KR" dirty="0">
-                <a:solidFill>
-                  <a:schemeClr val="accent6"/>
-                </a:solidFill>
-              </a:rPr>
-              <a:t>USART Rx/Tx</a:t>
-            </a:r>
-            <a:endParaRPr lang="ko-KR" altLang="en-US" dirty="0">
-              <a:solidFill>
-                <a:schemeClr val="accent6"/>
-              </a:solidFill>
-            </a:endParaRPr>
-          </a:p>
-        </p:txBody>
-      </p:sp>
-      <p:sp>
-        <p:nvSpPr>
-          <p:cNvPr id="142" name="직사각형 141">
-            <a:extLst>
-              <a:ext uri="{FF2B5EF4-FFF2-40B4-BE49-F238E27FC236}">
-                <a16:creationId xmlns:a16="http://schemas.microsoft.com/office/drawing/2014/main" id="{45BF08CD-2957-4D2B-AD35-F95A4013DC3F}"/>
-              </a:ext>
-            </a:extLst>
-          </p:cNvPr>
-          <p:cNvSpPr/>
-          <p:nvPr/>
-        </p:nvSpPr>
-        <p:spPr>
-          <a:xfrm>
-            <a:off x="830874" y="1771733"/>
-            <a:ext cx="1227589" cy="1052815"/>
-          </a:xfrm>
-          <a:prstGeom prst="rect">
-            <a:avLst/>
-          </a:prstGeom>
-        </p:spPr>
-        <p:style>
-          <a:lnRef idx="2">
-            <a:schemeClr val="dk1"/>
-          </a:lnRef>
-          <a:fillRef idx="1">
-            <a:schemeClr val="lt1"/>
-          </a:fillRef>
-          <a:effectRef idx="0">
-            <a:schemeClr val="dk1"/>
-          </a:effectRef>
-          <a:fontRef idx="minor">
-            <a:schemeClr val="dk1"/>
-          </a:fontRef>
-        </p:style>
-        <p:txBody>
-          <a:bodyPr rtlCol="0" anchor="ctr"/>
-          <a:lstStyle/>
-          <a:p>
-            <a:pPr algn="ctr"/>
-            <a:r>
-              <a:rPr lang="en-US" altLang="ko-KR" b="1" i="0" dirty="0">
-                <a:solidFill>
-                  <a:srgbClr val="222222"/>
-                </a:solidFill>
-                <a:effectLst/>
-                <a:latin typeface="Apple SD Gothic Neo"/>
-              </a:rPr>
-              <a:t>Power</a:t>
-            </a:r>
-          </a:p>
-          <a:p>
-            <a:pPr algn="ctr"/>
-            <a:r>
-              <a:rPr lang="en-US" altLang="ko-KR" b="1" dirty="0">
-                <a:solidFill>
-                  <a:srgbClr val="222222"/>
-                </a:solidFill>
-                <a:latin typeface="Apple SD Gothic Neo"/>
-              </a:rPr>
-              <a:t>Switch</a:t>
-            </a:r>
-          </a:p>
-        </p:txBody>
-      </p:sp>
-      <p:cxnSp>
-        <p:nvCxnSpPr>
-          <p:cNvPr id="147" name="직선 연결선 146">
-            <a:extLst>
-              <a:ext uri="{FF2B5EF4-FFF2-40B4-BE49-F238E27FC236}">
-                <a16:creationId xmlns:a16="http://schemas.microsoft.com/office/drawing/2014/main" id="{7A28B676-B903-4C70-8F3E-E3AE685FE51B}"/>
-              </a:ext>
-            </a:extLst>
-          </p:cNvPr>
-          <p:cNvCxnSpPr>
-            <a:cxnSpLocks/>
-          </p:cNvCxnSpPr>
-          <p:nvPr/>
-        </p:nvCxnSpPr>
-        <p:spPr>
-          <a:xfrm>
-            <a:off x="1208626" y="1057275"/>
-            <a:ext cx="0" cy="714462"/>
-          </a:xfrm>
-          <a:prstGeom prst="line">
-            <a:avLst/>
-          </a:prstGeom>
-          <a:ln>
-            <a:solidFill>
-              <a:srgbClr val="FF0000"/>
-            </a:solidFill>
-          </a:ln>
-        </p:spPr>
-        <p:style>
-          <a:lnRef idx="3">
-            <a:schemeClr val="dk1"/>
-          </a:lnRef>
-          <a:fillRef idx="0">
-            <a:schemeClr val="dk1"/>
-          </a:fillRef>
-          <a:effectRef idx="2">
-            <a:schemeClr val="dk1"/>
+            <a:schemeClr val="accent1"/>
           </a:effectRef>
           <a:fontRef idx="minor">
             <a:schemeClr val="tx1"/>
@@ -5452,38 +5972,251 @@
       </p:cxnSp>
       <p:cxnSp>
         <p:nvCxnSpPr>
-          <p:cNvPr id="150" name="직선 연결선 149">
-            <a:extLst>
-              <a:ext uri="{FF2B5EF4-FFF2-40B4-BE49-F238E27FC236}">
-                <a16:creationId xmlns:a16="http://schemas.microsoft.com/office/drawing/2014/main" id="{2E2EF388-66AB-4977-8C4E-9C6682CD3ACA}"/>
+          <p:cNvPr id="75" name="연결선: 꺾임 74">
+            <a:extLst>
+              <a:ext uri="{FF2B5EF4-FFF2-40B4-BE49-F238E27FC236}">
+                <a16:creationId xmlns:a16="http://schemas.microsoft.com/office/drawing/2014/main" id="{C84FFC04-43BB-458D-BBA4-A67F5EC1546E}"/>
               </a:ext>
             </a:extLst>
           </p:cNvPr>
           <p:cNvCxnSpPr>
             <a:cxnSpLocks/>
-            <a:stCxn id="142" idx="0"/>
-            <a:endCxn id="4" idx="2"/>
           </p:cNvCxnSpPr>
           <p:nvPr/>
         </p:nvCxnSpPr>
         <p:spPr>
-          <a:xfrm flipH="1" flipV="1">
-            <a:off x="1443517" y="1057275"/>
-            <a:ext cx="1152" cy="714458"/>
-          </a:xfrm>
-          <a:prstGeom prst="line">
-            <a:avLst/>
-          </a:prstGeom>
+          <a:xfrm rot="10800000">
+            <a:off x="5313971" y="2563881"/>
+            <a:ext cx="1745401" cy="860808"/>
+          </a:xfrm>
+          <a:prstGeom prst="bentConnector3">
+            <a:avLst>
+              <a:gd name="adj1" fmla="val 40996"/>
+            </a:avLst>
+          </a:prstGeom>
+          <a:ln>
+            <a:tailEnd type="triangle"/>
+          </a:ln>
         </p:spPr>
         <p:style>
           <a:lnRef idx="3">
-            <a:schemeClr val="dk1"/>
+            <a:schemeClr val="accent1"/>
           </a:lnRef>
           <a:fillRef idx="0">
-            <a:schemeClr val="dk1"/>
+            <a:schemeClr val="accent1"/>
           </a:fillRef>
           <a:effectRef idx="2">
-            <a:schemeClr val="dk1"/>
+            <a:schemeClr val="accent1"/>
+          </a:effectRef>
+          <a:fontRef idx="minor">
+            <a:schemeClr val="tx1"/>
+          </a:fontRef>
+        </p:style>
+      </p:cxnSp>
+      <p:cxnSp>
+        <p:nvCxnSpPr>
+          <p:cNvPr id="83" name="연결선: 꺾임 82">
+            <a:extLst>
+              <a:ext uri="{FF2B5EF4-FFF2-40B4-BE49-F238E27FC236}">
+                <a16:creationId xmlns:a16="http://schemas.microsoft.com/office/drawing/2014/main" id="{DA28C9D4-1DE6-4C3E-BA98-04B77B9CFC14}"/>
+              </a:ext>
+            </a:extLst>
+          </p:cNvPr>
+          <p:cNvCxnSpPr>
+            <a:stCxn id="26" idx="3"/>
+            <a:endCxn id="25" idx="2"/>
+          </p:cNvCxnSpPr>
+          <p:nvPr/>
+        </p:nvCxnSpPr>
+        <p:spPr>
+          <a:xfrm>
+            <a:off x="5313965" y="2415339"/>
+            <a:ext cx="3509535" cy="1755978"/>
+          </a:xfrm>
+          <a:prstGeom prst="bentConnector3">
+            <a:avLst>
+              <a:gd name="adj1" fmla="val 80125"/>
+            </a:avLst>
+          </a:prstGeom>
+          <a:ln>
+            <a:tailEnd type="triangle"/>
+          </a:ln>
+        </p:spPr>
+        <p:style>
+          <a:lnRef idx="3">
+            <a:schemeClr val="accent2"/>
+          </a:lnRef>
+          <a:fillRef idx="0">
+            <a:schemeClr val="accent2"/>
+          </a:fillRef>
+          <a:effectRef idx="2">
+            <a:schemeClr val="accent2"/>
+          </a:effectRef>
+          <a:fontRef idx="minor">
+            <a:schemeClr val="tx1"/>
+          </a:fontRef>
+        </p:style>
+      </p:cxnSp>
+      <p:cxnSp>
+        <p:nvCxnSpPr>
+          <p:cNvPr id="87" name="연결선: 꺾임 86">
+            <a:extLst>
+              <a:ext uri="{FF2B5EF4-FFF2-40B4-BE49-F238E27FC236}">
+                <a16:creationId xmlns:a16="http://schemas.microsoft.com/office/drawing/2014/main" id="{3E9527EC-33DF-48B6-A160-8D271948EA2F}"/>
+              </a:ext>
+            </a:extLst>
+          </p:cNvPr>
+          <p:cNvCxnSpPr>
+            <a:cxnSpLocks/>
+          </p:cNvCxnSpPr>
+          <p:nvPr/>
+        </p:nvCxnSpPr>
+        <p:spPr>
+          <a:xfrm rot="10800000">
+            <a:off x="5313967" y="2287685"/>
+            <a:ext cx="5102975" cy="1584678"/>
+          </a:xfrm>
+          <a:prstGeom prst="bentConnector3">
+            <a:avLst>
+              <a:gd name="adj1" fmla="val 43467"/>
+            </a:avLst>
+          </a:prstGeom>
+          <a:ln>
+            <a:tailEnd type="triangle"/>
+          </a:ln>
+        </p:spPr>
+        <p:style>
+          <a:lnRef idx="3">
+            <a:schemeClr val="accent1"/>
+          </a:lnRef>
+          <a:fillRef idx="0">
+            <a:schemeClr val="accent1"/>
+          </a:fillRef>
+          <a:effectRef idx="2">
+            <a:schemeClr val="accent1"/>
+          </a:effectRef>
+          <a:fontRef idx="minor">
+            <a:schemeClr val="tx1"/>
+          </a:fontRef>
+        </p:style>
+      </p:cxnSp>
+      <p:cxnSp>
+        <p:nvCxnSpPr>
+          <p:cNvPr id="95" name="직선 화살표 연결선 94">
+            <a:extLst>
+              <a:ext uri="{FF2B5EF4-FFF2-40B4-BE49-F238E27FC236}">
+                <a16:creationId xmlns:a16="http://schemas.microsoft.com/office/drawing/2014/main" id="{2AC2D542-D172-4EB7-9265-F8B590187DE6}"/>
+              </a:ext>
+            </a:extLst>
+          </p:cNvPr>
+          <p:cNvCxnSpPr>
+            <a:cxnSpLocks/>
+          </p:cNvCxnSpPr>
+          <p:nvPr/>
+        </p:nvCxnSpPr>
+        <p:spPr>
+          <a:xfrm flipH="1">
+            <a:off x="4569855" y="2941747"/>
+            <a:ext cx="2414" cy="622568"/>
+          </a:xfrm>
+          <a:prstGeom prst="straightConnector1">
+            <a:avLst/>
+          </a:prstGeom>
+          <a:ln>
+            <a:tailEnd type="triangle"/>
+          </a:ln>
+        </p:spPr>
+        <p:style>
+          <a:lnRef idx="3">
+            <a:schemeClr val="accent2"/>
+          </a:lnRef>
+          <a:fillRef idx="0">
+            <a:schemeClr val="accent2"/>
+          </a:fillRef>
+          <a:effectRef idx="2">
+            <a:schemeClr val="accent2"/>
+          </a:effectRef>
+          <a:fontRef idx="minor">
+            <a:schemeClr val="tx1"/>
+          </a:fontRef>
+        </p:style>
+      </p:cxnSp>
+      <p:cxnSp>
+        <p:nvCxnSpPr>
+          <p:cNvPr id="122" name="직선 화살표 연결선 121">
+            <a:extLst>
+              <a:ext uri="{FF2B5EF4-FFF2-40B4-BE49-F238E27FC236}">
+                <a16:creationId xmlns:a16="http://schemas.microsoft.com/office/drawing/2014/main" id="{201583BD-3542-400E-B366-9B426AA250D4}"/>
+              </a:ext>
+            </a:extLst>
+          </p:cNvPr>
+          <p:cNvCxnSpPr>
+            <a:cxnSpLocks/>
+          </p:cNvCxnSpPr>
+          <p:nvPr/>
+        </p:nvCxnSpPr>
+        <p:spPr>
+          <a:xfrm flipH="1">
+            <a:off x="4449343" y="2941747"/>
+            <a:ext cx="2414" cy="622568"/>
+          </a:xfrm>
+          <a:prstGeom prst="straightConnector1">
+            <a:avLst/>
+          </a:prstGeom>
+          <a:ln>
+            <a:tailEnd type="triangle"/>
+          </a:ln>
+        </p:spPr>
+        <p:style>
+          <a:lnRef idx="3">
+            <a:schemeClr val="accent2"/>
+          </a:lnRef>
+          <a:fillRef idx="0">
+            <a:schemeClr val="accent2"/>
+          </a:fillRef>
+          <a:effectRef idx="2">
+            <a:schemeClr val="accent2"/>
+          </a:effectRef>
+          <a:fontRef idx="minor">
+            <a:schemeClr val="tx1"/>
+          </a:fontRef>
+        </p:style>
+      </p:cxnSp>
+      <p:cxnSp>
+        <p:nvCxnSpPr>
+          <p:cNvPr id="123" name="직선 화살표 연결선 122">
+            <a:extLst>
+              <a:ext uri="{FF2B5EF4-FFF2-40B4-BE49-F238E27FC236}">
+                <a16:creationId xmlns:a16="http://schemas.microsoft.com/office/drawing/2014/main" id="{A1595DDC-29C6-4279-BEF1-CA77B7A424C4}"/>
+              </a:ext>
+            </a:extLst>
+          </p:cNvPr>
+          <p:cNvCxnSpPr>
+            <a:cxnSpLocks/>
+          </p:cNvCxnSpPr>
+          <p:nvPr/>
+        </p:nvCxnSpPr>
+        <p:spPr>
+          <a:xfrm flipH="1">
+            <a:off x="4699585" y="2940861"/>
+            <a:ext cx="2414" cy="622568"/>
+          </a:xfrm>
+          <a:prstGeom prst="straightConnector1">
+            <a:avLst/>
+          </a:prstGeom>
+          <a:ln>
+            <a:tailEnd type="triangle"/>
+          </a:ln>
+        </p:spPr>
+        <p:style>
+          <a:lnRef idx="3">
+            <a:schemeClr val="accent2"/>
+          </a:lnRef>
+          <a:fillRef idx="0">
+            <a:schemeClr val="accent2"/>
+          </a:fillRef>
+          <a:effectRef idx="2">
+            <a:schemeClr val="accent2"/>
           </a:effectRef>
           <a:fontRef idx="minor">
             <a:schemeClr val="tx1"/>
